--- a/Lesson1_Writing_Your_First_program/C语言从零开始_第一讲_编写第一个C程序.pptx
+++ b/Lesson1_Writing_Your_First_program/C语言从零开始_第一讲_编写第一个C程序.pptx
@@ -3957,6 +3957,346 @@
           </a:p>
         </p:txBody>
       </p:sp>
+      <p:sp>
+        <p:nvSpPr>
+          <p:cNvPr id="5" name="矩形 4"/>
+          <p:cNvSpPr/>
+          <p:nvPr/>
+        </p:nvSpPr>
+        <p:spPr>
+          <a:xfrm>
+            <a:off x="191344" y="260648"/>
+            <a:ext cx="9361040" cy="1569660"/>
+          </a:xfrm>
+          <a:prstGeom prst="rect">
+            <a:avLst/>
+          </a:prstGeom>
+        </p:spPr>
+        <p:txBody>
+          <a:bodyPr wrap="square">
+            <a:spAutoFit/>
+          </a:bodyPr>
+          <a:lstStyle/>
+          <a:p>
+            <a:r>
+              <a:rPr lang="zh-CN" altLang="en-US" sz="2400" dirty="0" smtClean="0">
+                <a:solidFill>
+                  <a:srgbClr val="0070C0"/>
+                </a:solidFill>
+                <a:latin typeface="+mj-lt"/>
+                <a:ea typeface="+mj-ea"/>
+              </a:rPr>
+              <a:t>   斗</a:t>
+            </a:r>
+            <a:r>
+              <a:rPr lang="zh-CN" altLang="en-US" sz="2400" dirty="0">
+                <a:solidFill>
+                  <a:srgbClr val="0070C0"/>
+                </a:solidFill>
+                <a:latin typeface="+mj-lt"/>
+                <a:ea typeface="+mj-ea"/>
+              </a:rPr>
+              <a:t>鱼直播</a:t>
+            </a:r>
+            <a:r>
+              <a:rPr lang="zh-CN" altLang="en-US" sz="2400" dirty="0" smtClean="0">
+                <a:solidFill>
+                  <a:srgbClr val="0070C0"/>
+                </a:solidFill>
+                <a:latin typeface="+mj-lt"/>
+                <a:ea typeface="+mj-ea"/>
+              </a:rPr>
+              <a:t>：</a:t>
+            </a:r>
+            <a:r>
+              <a:rPr lang="en-US" altLang="zh-CN" sz="2400" dirty="0" smtClean="0">
+                <a:solidFill>
+                  <a:srgbClr val="0070C0"/>
+                </a:solidFill>
+                <a:latin typeface="+mj-lt"/>
+                <a:ea typeface="+mj-ea"/>
+              </a:rPr>
+              <a:t>	</a:t>
+            </a:r>
+            <a:r>
+              <a:rPr lang="zh-CN" altLang="en-US" sz="2400" dirty="0" smtClean="0">
+                <a:solidFill>
+                  <a:srgbClr val="0070C0"/>
+                </a:solidFill>
+                <a:latin typeface="+mj-lt"/>
+                <a:ea typeface="+mj-ea"/>
+                <a:hlinkClick r:id="rId2"/>
+              </a:rPr>
+              <a:t>https</a:t>
+            </a:r>
+            <a:r>
+              <a:rPr lang="zh-CN" altLang="en-US" sz="2400" dirty="0">
+                <a:solidFill>
+                  <a:srgbClr val="0070C0"/>
+                </a:solidFill>
+                <a:latin typeface="+mj-lt"/>
+                <a:ea typeface="+mj-ea"/>
+                <a:hlinkClick r:id="rId2"/>
+              </a:rPr>
+              <a:t>://www.douyu.com/</a:t>
+            </a:r>
+            <a:r>
+              <a:rPr lang="zh-CN" altLang="en-US" sz="2400" dirty="0" smtClean="0">
+                <a:solidFill>
+                  <a:srgbClr val="0070C0"/>
+                </a:solidFill>
+                <a:latin typeface="+mj-lt"/>
+                <a:ea typeface="+mj-ea"/>
+                <a:hlinkClick r:id="rId2"/>
+              </a:rPr>
+              <a:t>yunaoshi</a:t>
+            </a:r>
+            <a:endParaRPr lang="en-US" altLang="zh-CN" sz="2400" dirty="0" smtClean="0">
+              <a:solidFill>
+                <a:srgbClr val="0070C0"/>
+              </a:solidFill>
+              <a:latin typeface="+mj-lt"/>
+              <a:ea typeface="+mj-ea"/>
+            </a:endParaRPr>
+          </a:p>
+          <a:p>
+            <a:r>
+              <a:rPr lang="zh-CN" altLang="en-US" sz="2400" dirty="0" smtClean="0">
+                <a:solidFill>
+                  <a:srgbClr val="0070C0"/>
+                </a:solidFill>
+                <a:latin typeface="+mj-lt"/>
+                <a:ea typeface="+mj-ea"/>
+              </a:rPr>
+              <a:t>   优</a:t>
+            </a:r>
+            <a:r>
+              <a:rPr lang="zh-CN" altLang="en-US" sz="2400" dirty="0">
+                <a:solidFill>
+                  <a:srgbClr val="0070C0"/>
+                </a:solidFill>
+                <a:latin typeface="+mj-lt"/>
+                <a:ea typeface="+mj-ea"/>
+              </a:rPr>
+              <a:t>酷视频</a:t>
+            </a:r>
+            <a:r>
+              <a:rPr lang="zh-CN" altLang="en-US" sz="2400" dirty="0" smtClean="0">
+                <a:solidFill>
+                  <a:srgbClr val="0070C0"/>
+                </a:solidFill>
+                <a:latin typeface="+mj-lt"/>
+                <a:ea typeface="+mj-ea"/>
+              </a:rPr>
+              <a:t>：</a:t>
+            </a:r>
+            <a:r>
+              <a:rPr lang="en-US" altLang="zh-CN" sz="2400" dirty="0" smtClean="0">
+                <a:solidFill>
+                  <a:srgbClr val="0070C0"/>
+                </a:solidFill>
+                <a:latin typeface="+mj-lt"/>
+                <a:ea typeface="+mj-ea"/>
+              </a:rPr>
+              <a:t>	</a:t>
+            </a:r>
+            <a:r>
+              <a:rPr lang="zh-CN" altLang="en-US" sz="2400" dirty="0" smtClean="0">
+                <a:solidFill>
+                  <a:srgbClr val="0070C0"/>
+                </a:solidFill>
+                <a:latin typeface="+mj-lt"/>
+                <a:ea typeface="+mj-ea"/>
+                <a:hlinkClick r:id="rId3"/>
+              </a:rPr>
+              <a:t>http</a:t>
+            </a:r>
+            <a:r>
+              <a:rPr lang="zh-CN" altLang="en-US" sz="2400" dirty="0">
+                <a:solidFill>
+                  <a:srgbClr val="0070C0"/>
+                </a:solidFill>
+                <a:latin typeface="+mj-lt"/>
+                <a:ea typeface="+mj-ea"/>
+                <a:hlinkClick r:id="rId3"/>
+              </a:rPr>
+              <a:t>://i.youku.com/</a:t>
+            </a:r>
+            <a:r>
+              <a:rPr lang="zh-CN" altLang="en-US" sz="2400" dirty="0" smtClean="0">
+                <a:solidFill>
+                  <a:srgbClr val="0070C0"/>
+                </a:solidFill>
+                <a:latin typeface="+mj-lt"/>
+                <a:ea typeface="+mj-ea"/>
+                <a:hlinkClick r:id="rId3"/>
+              </a:rPr>
+              <a:t>jasonyyf</a:t>
+            </a:r>
+            <a:endParaRPr lang="en-US" altLang="zh-CN" sz="2400" dirty="0" smtClean="0">
+              <a:solidFill>
+                <a:srgbClr val="0070C0"/>
+              </a:solidFill>
+              <a:latin typeface="+mj-lt"/>
+              <a:ea typeface="+mj-ea"/>
+            </a:endParaRPr>
+          </a:p>
+          <a:p>
+            <a:r>
+              <a:rPr lang="en-US" altLang="zh-CN" sz="2400" dirty="0" smtClean="0">
+                <a:solidFill>
+                  <a:srgbClr val="0070C0"/>
+                </a:solidFill>
+                <a:latin typeface="+mj-lt"/>
+                <a:ea typeface="+mj-ea"/>
+              </a:rPr>
+              <a:t>    B</a:t>
+            </a:r>
+            <a:r>
+              <a:rPr lang="zh-CN" altLang="en-US" sz="2400" dirty="0" smtClean="0">
+                <a:solidFill>
+                  <a:srgbClr val="0070C0"/>
+                </a:solidFill>
+                <a:latin typeface="+mj-lt"/>
+                <a:ea typeface="+mj-ea"/>
+              </a:rPr>
+              <a:t>站视频：</a:t>
+            </a:r>
+            <a:r>
+              <a:rPr lang="en-US" altLang="zh-CN" sz="2400" dirty="0" smtClean="0">
+                <a:solidFill>
+                  <a:srgbClr val="0070C0"/>
+                </a:solidFill>
+                <a:latin typeface="+mj-lt"/>
+                <a:ea typeface="+mj-ea"/>
+              </a:rPr>
+              <a:t>	</a:t>
+            </a:r>
+            <a:r>
+              <a:rPr lang="en-US" altLang="zh-CN" sz="2400" dirty="0" smtClean="0">
+                <a:solidFill>
+                  <a:srgbClr val="0070C0"/>
+                </a:solidFill>
+                <a:latin typeface="+mj-lt"/>
+                <a:ea typeface="+mj-ea"/>
+                <a:hlinkClick r:id="rId4"/>
+              </a:rPr>
+              <a:t>http</a:t>
+            </a:r>
+            <a:r>
+              <a:rPr lang="en-US" altLang="zh-CN" sz="2400" dirty="0">
+                <a:solidFill>
+                  <a:srgbClr val="0070C0"/>
+                </a:solidFill>
+                <a:latin typeface="+mj-lt"/>
+                <a:ea typeface="+mj-ea"/>
+                <a:hlinkClick r:id="rId4"/>
+              </a:rPr>
+              <a:t>://</a:t>
+            </a:r>
+            <a:r>
+              <a:rPr lang="en-US" altLang="zh-CN" sz="2400" dirty="0" smtClean="0">
+                <a:solidFill>
+                  <a:srgbClr val="0070C0"/>
+                </a:solidFill>
+                <a:latin typeface="+mj-lt"/>
+                <a:ea typeface="+mj-ea"/>
+                <a:hlinkClick r:id="rId4"/>
+              </a:rPr>
+              <a:t>space.bilibili.com/16199448</a:t>
+            </a:r>
+            <a:endParaRPr lang="en-US" altLang="zh-CN" sz="2400" dirty="0" smtClean="0">
+              <a:solidFill>
+                <a:srgbClr val="0070C0"/>
+              </a:solidFill>
+              <a:latin typeface="+mj-lt"/>
+              <a:ea typeface="+mj-ea"/>
+            </a:endParaRPr>
+          </a:p>
+          <a:p>
+            <a:r>
+              <a:rPr lang="zh-CN" altLang="en-US" sz="2400" dirty="0" smtClean="0">
+                <a:solidFill>
+                  <a:srgbClr val="0070C0"/>
+                </a:solidFill>
+                <a:latin typeface="+mj-lt"/>
+                <a:ea typeface="+mj-ea"/>
+              </a:rPr>
+              <a:t>代码</a:t>
+            </a:r>
+            <a:r>
+              <a:rPr lang="zh-CN" altLang="en-US" sz="2400" dirty="0">
+                <a:solidFill>
+                  <a:srgbClr val="0070C0"/>
+                </a:solidFill>
+                <a:latin typeface="+mj-lt"/>
+                <a:ea typeface="+mj-ea"/>
+              </a:rPr>
+              <a:t>和</a:t>
+            </a:r>
+            <a:r>
+              <a:rPr lang="zh-CN" altLang="en-US" sz="2400" dirty="0" smtClean="0">
+                <a:solidFill>
+                  <a:srgbClr val="0070C0"/>
+                </a:solidFill>
+                <a:latin typeface="+mj-lt"/>
+                <a:ea typeface="+mj-ea"/>
+              </a:rPr>
+              <a:t>PPT：</a:t>
+            </a:r>
+            <a:r>
+              <a:rPr lang="en-US" altLang="zh-CN" sz="2400" dirty="0" smtClean="0">
+                <a:solidFill>
+                  <a:srgbClr val="0070C0"/>
+                </a:solidFill>
+                <a:latin typeface="+mj-lt"/>
+                <a:ea typeface="+mj-ea"/>
+              </a:rPr>
+              <a:t>	</a:t>
+            </a:r>
+            <a:r>
+              <a:rPr lang="zh-CN" altLang="en-US" sz="2400" dirty="0" smtClean="0">
+                <a:solidFill>
+                  <a:srgbClr val="0070C0"/>
+                </a:solidFill>
+                <a:latin typeface="+mj-lt"/>
+                <a:ea typeface="+mj-ea"/>
+                <a:hlinkClick r:id="rId5"/>
+              </a:rPr>
+              <a:t>https</a:t>
+            </a:r>
+            <a:r>
+              <a:rPr lang="zh-CN" altLang="en-US" sz="2400" dirty="0">
+                <a:solidFill>
+                  <a:srgbClr val="0070C0"/>
+                </a:solidFill>
+                <a:latin typeface="+mj-lt"/>
+                <a:ea typeface="+mj-ea"/>
+                <a:hlinkClick r:id="rId5"/>
+              </a:rPr>
+              <a:t>://github.com/YufengYU/C_Programming_</a:t>
+            </a:r>
+            <a:r>
+              <a:rPr lang="zh-CN" altLang="en-US" sz="2400" dirty="0" smtClean="0">
+                <a:solidFill>
+                  <a:srgbClr val="0070C0"/>
+                </a:solidFill>
+                <a:latin typeface="+mj-lt"/>
+                <a:ea typeface="+mj-ea"/>
+                <a:hlinkClick r:id="rId5"/>
+              </a:rPr>
+              <a:t>Course</a:t>
+            </a:r>
+            <a:endParaRPr lang="en-US" altLang="zh-CN" sz="2400" dirty="0" smtClean="0">
+              <a:solidFill>
+                <a:srgbClr val="0070C0"/>
+              </a:solidFill>
+              <a:latin typeface="+mj-lt"/>
+              <a:ea typeface="+mj-ea"/>
+            </a:endParaRPr>
+          </a:p>
+        </p:txBody>
+      </p:sp>
     </p:spTree>
   </p:cSld>
   <p:clrMapOvr>
@@ -4152,6 +4492,59 @@
                       </p:childTnLst>
                     </p:cTn>
                   </p:par>
+                  <p:par>
+                    <p:cTn id="12" fill="hold">
+                      <p:stCondLst>
+                        <p:cond delay="indefinite"/>
+                      </p:stCondLst>
+                      <p:childTnLst>
+                        <p:par>
+                          <p:cTn id="13" fill="hold">
+                            <p:stCondLst>
+                              <p:cond delay="0"/>
+                            </p:stCondLst>
+                            <p:childTnLst>
+                              <p:par>
+                                <p:cTn id="14" presetID="6" presetClass="entr" presetSubtype="16" fill="hold" grpId="0" nodeType="clickEffect">
+                                  <p:stCondLst>
+                                    <p:cond delay="0"/>
+                                  </p:stCondLst>
+                                  <p:childTnLst>
+                                    <p:set>
+                                      <p:cBhvr>
+                                        <p:cTn id="15" dur="1" fill="hold">
+                                          <p:stCondLst>
+                                            <p:cond delay="0"/>
+                                          </p:stCondLst>
+                                        </p:cTn>
+                                        <p:tgtEl>
+                                          <p:spTgt spid="5"/>
+                                        </p:tgtEl>
+                                        <p:attrNameLst>
+                                          <p:attrName>style.visibility</p:attrName>
+                                        </p:attrNameLst>
+                                      </p:cBhvr>
+                                      <p:to>
+                                        <p:strVal val="visible"/>
+                                      </p:to>
+                                    </p:set>
+                                    <p:animEffect transition="in" filter="circle(in)">
+                                      <p:cBhvr>
+                                        <p:cTn id="16" dur="2000"/>
+                                        <p:tgtEl>
+                                          <p:spTgt spid="5"/>
+                                        </p:tgtEl>
+                                      </p:cBhvr>
+                                    </p:animEffect>
+                                  </p:childTnLst>
+                                </p:cTn>
+                              </p:par>
+                            </p:childTnLst>
+                          </p:cTn>
+                        </p:par>
+                      </p:childTnLst>
+                    </p:cTn>
+                  </p:par>
                 </p:childTnLst>
               </p:cTn>
               <p:prevCondLst>
@@ -4175,6 +4568,7 @@
     </p:tnLst>
     <p:bldLst>
       <p:bldP spid="2" grpId="0"/>
+      <p:bldP spid="5" grpId="0"/>
     </p:bldLst>
   </p:timing>
 </p:sld>
@@ -5532,11 +5926,7 @@
             </a:r>
             <a:r>
               <a:rPr lang="zh-CN" altLang="en-US" dirty="0" smtClean="0"/>
-              <a:t>个代码</a:t>
-            </a:r>
-            <a:r>
-              <a:rPr lang="zh-CN" altLang="en-US" dirty="0" smtClean="0"/>
-              <a:t>测试平台</a:t>
+              <a:t>个代码测试平台</a:t>
             </a:r>
             <a:endParaRPr lang="en-US" altLang="zh-CN" dirty="0" smtClean="0"/>
           </a:p>
